--- a/Forggetting/遗忘因子.pptx
+++ b/Forggetting/遗忘因子.pptx
@@ -18119,8 +18119,8 @@
         </p:nvSpPr>
         <p:spPr>
           <a:xfrm>
-            <a:off x="457200" y="979170"/>
-            <a:ext cx="11116945" cy="5800725"/>
+            <a:off x="6012180" y="1029970"/>
+            <a:ext cx="5722620" cy="3476625"/>
           </a:xfrm>
           <a:prstGeom prst="rect">
             <a:avLst/>
@@ -18133,373 +18133,533 @@
           </a:bodyPr>
           <a:p>
             <a:r>
-              <a:rPr lang="zh-CN" altLang="en-US" sz="700"/>
-              <a:t>def check_rest_epoch_forgetting_happend(first_learning_event_happened</a:t>
-            </a:r>
-            <a:r>
-              <a:rPr lang="en-US" altLang="zh-CN" sz="700"/>
-              <a:t>_time</a:t>
-            </a:r>
-            <a:r>
-              <a:rPr lang="zh-CN" altLang="en-US" sz="700"/>
-              <a:t>, example_i):</a:t>
-            </a:r>
-            <a:endParaRPr lang="zh-CN" altLang="en-US" sz="700"/>
-          </a:p>
-          <a:p>
-            <a:r>
-              <a:rPr lang="zh-CN" altLang="en-US" sz="700"/>
+              <a:rPr sz="1000"/>
+              <a:t>def check_rest_epoch_forgetting_happend(current_first_learning_event_happend_time, example_i):</a:t>
+            </a:r>
+            <a:endParaRPr sz="1000"/>
+          </a:p>
+          <a:p>
+            <a:r>
+              <a:rPr sz="1000"/>
               <a:t>  global all_epoch_detail_dict</a:t>
             </a:r>
-            <a:endParaRPr lang="zh-CN" altLang="en-US" sz="700"/>
-          </a:p>
-          <a:p>
-            <a:r>
-              <a:rPr lang="zh-CN" altLang="en-US" sz="700"/>
-              <a:t>  for current_epoch_idx in range(first_learning_event_happened</a:t>
-            </a:r>
-            <a:r>
-              <a:rPr lang="en-US" altLang="zh-CN" sz="700"/>
-              <a:t>_time</a:t>
-            </a:r>
-            <a:r>
-              <a:rPr lang="zh-CN" altLang="en-US" sz="700"/>
-              <a:t>, len(all_epoch_detail_dict) - 1):</a:t>
-            </a:r>
-            <a:endParaRPr lang="zh-CN" altLang="en-US" sz="700"/>
-          </a:p>
-          <a:p>
-            <a:r>
-              <a:rPr lang="zh-CN" altLang="en-US" sz="700"/>
-              <a:t>    current_acc = all_epoch_detail_dict["epoch_" + str(cureent_epoch_idx)][example_i]</a:t>
-            </a:r>
-            <a:endParaRPr lang="zh-CN" altLang="en-US" sz="700"/>
-          </a:p>
-          <a:p>
-            <a:r>
-              <a:rPr lang="zh-CN" altLang="en-US" sz="700"/>
+            <a:endParaRPr sz="1000"/>
+          </a:p>
+          <a:p>
+            <a:r>
+              <a:rPr sz="1000"/>
+              <a:t>  for current_epoch_idx in range(current_first_learning_event_happend_time, len(all_epoch_detail_dict) - 1):</a:t>
+            </a:r>
+            <a:endParaRPr sz="1000"/>
+          </a:p>
+          <a:p>
+            <a:r>
+              <a:rPr sz="1000"/>
+              <a:t>    current_acc = all_epoch_detail_dict["epoch_" + str(current_epoch_idx)][example_i]</a:t>
+            </a:r>
+            <a:endParaRPr sz="1000"/>
+          </a:p>
+          <a:p>
+            <a:r>
+              <a:rPr sz="1000"/>
               <a:t>    if current_acc == 0:</a:t>
             </a:r>
-            <a:endParaRPr lang="zh-CN" altLang="en-US" sz="700"/>
-          </a:p>
-          <a:p>
-            <a:r>
-              <a:rPr lang="zh-CN" altLang="en-US" sz="700"/>
-              <a:t>      return </a:t>
-            </a:r>
-            <a:r>
-              <a:rPr lang="en-US" altLang="zh-CN" sz="700"/>
-              <a:t>True</a:t>
-            </a:r>
-            <a:endParaRPr lang="zh-CN" altLang="en-US" sz="700"/>
-          </a:p>
-          <a:p>
-            <a:r>
-              <a:rPr lang="zh-CN" altLang="en-US" sz="700"/>
-              <a:t>  return </a:t>
-            </a:r>
-            <a:r>
-              <a:rPr lang="en-US" altLang="zh-CN" sz="700"/>
-              <a:t>False</a:t>
-            </a:r>
-            <a:endParaRPr lang="zh-CN" altLang="en-US" sz="700"/>
-          </a:p>
-          <a:p>
-            <a:endParaRPr lang="zh-CN" altLang="en-US" sz="700"/>
-          </a:p>
-          <a:p>
-            <a:endParaRPr lang="zh-CN" altLang="en-US" sz="700"/>
-          </a:p>
-          <a:p>
-            <a:r>
-              <a:rPr lang="zh-CN" altLang="en-US" sz="700"/>
+            <a:endParaRPr sz="1000"/>
+          </a:p>
+          <a:p>
+            <a:r>
+              <a:rPr sz="1000"/>
+              <a:t>      return True</a:t>
+            </a:r>
+            <a:endParaRPr sz="1000"/>
+          </a:p>
+          <a:p>
+            <a:r>
+              <a:rPr sz="1000"/>
+              <a:t>  return False</a:t>
+            </a:r>
+            <a:endParaRPr sz="1000"/>
+          </a:p>
+          <a:p>
+            <a:endParaRPr sz="1000"/>
+          </a:p>
+          <a:p>
+            <a:endParaRPr sz="1000"/>
+          </a:p>
+          <a:p>
+            <a:r>
+              <a:rPr sz="1000"/>
+              <a:t>def get_start_unforget_idx(start_learn_happend_time, example_i):</a:t>
+            </a:r>
+            <a:endParaRPr sz="1000"/>
+          </a:p>
+          <a:p>
+            <a:r>
+              <a:rPr sz="1000"/>
+              <a:t>  res = -1</a:t>
+            </a:r>
+            <a:endParaRPr sz="1000"/>
+          </a:p>
+          <a:p>
+            <a:r>
+              <a:rPr sz="1000"/>
+              <a:t>  global all_epoch_detail_dict</a:t>
+            </a:r>
+            <a:endParaRPr sz="1000"/>
+          </a:p>
+          <a:p>
+            <a:r>
+              <a:rPr sz="1000"/>
+              <a:t>  for current_epoch_idx in range(start_learn_happend_time, len(all_epoch_detail_dict) - 1):</a:t>
+            </a:r>
+            <a:endParaRPr sz="1000"/>
+          </a:p>
+          <a:p>
+            <a:r>
+              <a:rPr sz="1000"/>
+              <a:t>    current_acc = all_epoch_detail_dict["epoch_" + str(current_epoch_idx)][example_i]</a:t>
+            </a:r>
+            <a:endParaRPr sz="1000"/>
+          </a:p>
+          <a:p>
+            <a:r>
+              <a:rPr sz="1000"/>
+              <a:t>    if current_acc == 0: continue</a:t>
+            </a:r>
+            <a:endParaRPr sz="1000"/>
+          </a:p>
+          <a:p>
+            <a:r>
+              <a:rPr sz="1000"/>
+              <a:t>    if check_rest_epoch_forgetting_happend(current_epoch_idx, example_i) == False:</a:t>
+            </a:r>
+            <a:endParaRPr sz="1000"/>
+          </a:p>
+          <a:p>
+            <a:r>
+              <a:rPr sz="1000"/>
+              <a:t>      res = current_epoch_idx</a:t>
+            </a:r>
+            <a:endParaRPr sz="1000"/>
+          </a:p>
+          <a:p>
+            <a:r>
+              <a:rPr sz="1000"/>
+              <a:t>      break</a:t>
+            </a:r>
+            <a:endParaRPr sz="1000"/>
+          </a:p>
+          <a:p>
+            <a:r>
+              <a:rPr sz="1000"/>
+              <a:t>  return res</a:t>
+            </a:r>
+            <a:endParaRPr sz="1000"/>
+          </a:p>
+          <a:p>
+            <a:endParaRPr sz="1000"/>
+          </a:p>
+        </p:txBody>
+      </p:sp>
+      <p:sp>
+        <p:nvSpPr>
+          <p:cNvPr id="6" name="文本框 5"/>
+          <p:cNvSpPr txBox="1"/>
+          <p:nvPr/>
+        </p:nvSpPr>
+        <p:spPr>
+          <a:xfrm>
+            <a:off x="456565" y="1029970"/>
+            <a:ext cx="5153025" cy="5046345"/>
+          </a:xfrm>
+          <a:prstGeom prst="rect">
+            <a:avLst/>
+          </a:prstGeom>
+          <a:noFill/>
+        </p:spPr>
+        <p:txBody>
+          <a:bodyPr wrap="square" rtlCol="0">
+            <a:spAutoFit/>
+          </a:bodyPr>
+          <a:p>
+            <a:r>
+              <a:rPr sz="700">
+                <a:sym typeface="+mn-ea"/>
+              </a:rPr>
               <a:t>def Algorithm_1_Computing_forgetting_statistics(to_shuffle = False, len_per_epoch = 0):</a:t>
             </a:r>
-            <a:endParaRPr lang="zh-CN" altLang="en-US" sz="700"/>
-          </a:p>
-          <a:p>
-            <a:r>
-              <a:rPr lang="zh-CN" altLang="en-US" sz="700"/>
+            <a:endParaRPr sz="700"/>
+          </a:p>
+          <a:p>
+            <a:r>
+              <a:rPr sz="700">
+                <a:sym typeface="+mn-ea"/>
+              </a:rPr>
               <a:t>    forgetting_event_happend_state = [False for _ in range(len_per_epoch)]</a:t>
             </a:r>
-            <a:endParaRPr lang="zh-CN" altLang="en-US" sz="700"/>
-          </a:p>
-          <a:p>
-            <a:r>
-              <a:rPr lang="zh-CN" altLang="en-US" sz="700"/>
+            <a:endParaRPr sz="700"/>
+          </a:p>
+          <a:p>
+            <a:r>
+              <a:rPr sz="700">
+                <a:sym typeface="+mn-ea"/>
+              </a:rPr>
               <a:t>    learning_event_happend_state = [False for _ in range(len_per_epoch)]</a:t>
             </a:r>
-            <a:endParaRPr lang="zh-CN" altLang="en-US" sz="700"/>
-          </a:p>
-          <a:p>
-            <a:r>
-              <a:rPr lang="zh-CN" altLang="en-US" sz="700"/>
+            <a:endParaRPr sz="700"/>
+          </a:p>
+          <a:p>
+            <a:r>
+              <a:rPr sz="700">
+                <a:sym typeface="+mn-ea"/>
+              </a:rPr>
               <a:t>    first_learning_event_happened_state = [-1 for _ in range(len_per_epoch)]</a:t>
             </a:r>
-            <a:endParaRPr lang="zh-CN" altLang="en-US" sz="700"/>
-          </a:p>
-          <a:p>
-            <a:r>
-              <a:rPr lang="zh-CN" altLang="en-US" sz="700"/>
+            <a:endParaRPr sz="700"/>
+          </a:p>
+          <a:p>
+            <a:r>
+              <a:rPr sz="700">
+                <a:sym typeface="+mn-ea"/>
+              </a:rPr>
               <a:t>    first_forgetting_event_happend_state = [-1 for _ in range(len_per_epoch)]</a:t>
             </a:r>
-            <a:endParaRPr lang="zh-CN" altLang="en-US" sz="700"/>
-          </a:p>
-          <a:p>
-            <a:endParaRPr lang="zh-CN" altLang="en-US" sz="700"/>
-          </a:p>
-          <a:p>
-            <a:r>
-              <a:rPr lang="zh-CN" altLang="en-US" sz="700"/>
+            <a:endParaRPr sz="700"/>
+          </a:p>
+          <a:p>
+            <a:endParaRPr sz="700"/>
+          </a:p>
+          <a:p>
+            <a:r>
+              <a:rPr sz="700">
+                <a:sym typeface="+mn-ea"/>
+              </a:rPr>
               <a:t>    tot_forgetting_score = [0 for _ in range(len_per_epoch)]</a:t>
             </a:r>
-            <a:endParaRPr lang="zh-CN" altLang="en-US" sz="700"/>
-          </a:p>
-          <a:p>
-            <a:r>
-              <a:rPr lang="zh-CN" altLang="en-US" sz="700"/>
+            <a:endParaRPr sz="700"/>
+          </a:p>
+          <a:p>
+            <a:r>
+              <a:rPr sz="700">
+                <a:sym typeface="+mn-ea"/>
+              </a:rPr>
               <a:t>    unforgettable_examples = []</a:t>
             </a:r>
-            <a:endParaRPr lang="zh-CN" altLang="en-US" sz="700"/>
-          </a:p>
-          <a:p>
-            <a:r>
-              <a:rPr lang="zh-CN" altLang="en-US" sz="700"/>
+            <a:endParaRPr sz="700"/>
+          </a:p>
+          <a:p>
+            <a:r>
+              <a:rPr sz="700">
+                <a:sym typeface="+mn-ea"/>
+              </a:rPr>
+              <a:t>    unforgettable_examples_start_unforget_idx = [-1 for _ in range(len_per_epoch)]</a:t>
+            </a:r>
+            <a:endParaRPr sz="700"/>
+          </a:p>
+          <a:p>
+            <a:r>
+              <a:rPr sz="700">
+                <a:sym typeface="+mn-ea"/>
+              </a:rPr>
               <a:t>    forgettable_examples = []</a:t>
             </a:r>
-            <a:endParaRPr lang="zh-CN" altLang="en-US" sz="700"/>
-          </a:p>
-          <a:p>
-            <a:r>
-              <a:rPr lang="zh-CN" altLang="en-US" sz="700"/>
+            <a:endParaRPr sz="700"/>
+          </a:p>
+          <a:p>
+            <a:r>
+              <a:rPr sz="700">
+                <a:sym typeface="+mn-ea"/>
+              </a:rPr>
               <a:t>    global all_epoch_detail_dict </a:t>
             </a:r>
-            <a:endParaRPr lang="zh-CN" altLang="en-US" sz="700"/>
-          </a:p>
-          <a:p>
-            <a:endParaRPr lang="zh-CN" altLang="en-US" sz="700"/>
-          </a:p>
-          <a:p>
-            <a:r>
-              <a:rPr lang="zh-CN" altLang="en-US" sz="700"/>
+            <a:endParaRPr sz="700"/>
+          </a:p>
+          <a:p>
+            <a:r>
+              <a:rPr sz="700">
+                <a:sym typeface="+mn-ea"/>
+              </a:rPr>
               <a:t>    all_epoch_detail_dict = {k: v for k, v in sorted(all_epoch_detail_dict.items(), key=lambda item: item[0].split("_")[-1])}</a:t>
             </a:r>
-            <a:endParaRPr lang="zh-CN" altLang="en-US" sz="700"/>
-          </a:p>
-          <a:p>
-            <a:endParaRPr lang="zh-CN" altLang="en-US" sz="700"/>
-          </a:p>
-          <a:p>
-            <a:r>
-              <a:rPr lang="zh-CN" altLang="en-US" sz="700"/>
+            <a:endParaRPr sz="700"/>
+          </a:p>
+          <a:p>
+            <a:r>
+              <a:rPr sz="700">
+                <a:sym typeface="+mn-ea"/>
+              </a:rPr>
               <a:t>    for current_epoch_idx in range(len(all_epoch_detail_dict)): # while not training done, across all epoches</a:t>
             </a:r>
-            <a:endParaRPr lang="zh-CN" altLang="en-US" sz="700"/>
-          </a:p>
-          <a:p>
-            <a:r>
-              <a:rPr lang="zh-CN" altLang="en-US" sz="700"/>
+            <a:endParaRPr sz="700"/>
+          </a:p>
+          <a:p>
+            <a:r>
+              <a:rPr sz="700">
+                <a:sym typeface="+mn-ea"/>
+              </a:rPr>
               <a:t>        next_epoch_idx = min(current_epoch_idx + 1, len(all_epoch_detail_dict) - 1)</a:t>
             </a:r>
-            <a:endParaRPr lang="zh-CN" altLang="en-US" sz="700"/>
-          </a:p>
-          <a:p>
-            <a:r>
-              <a:rPr lang="zh-CN" altLang="en-US" sz="700"/>
+            <a:endParaRPr sz="700"/>
+          </a:p>
+          <a:p>
+            <a:r>
+              <a:rPr sz="700">
+                <a:sym typeface="+mn-ea"/>
+              </a:rPr>
               <a:t>        for i in range(len_per_epoch):</a:t>
             </a:r>
-            <a:endParaRPr lang="zh-CN" altLang="en-US" sz="700"/>
-          </a:p>
-          <a:p>
-            <a:r>
-              <a:rPr lang="zh-CN" altLang="en-US" sz="700"/>
+            <a:endParaRPr sz="700"/>
+          </a:p>
+          <a:p>
+            <a:r>
+              <a:rPr sz="700">
+                <a:sym typeface="+mn-ea"/>
+              </a:rPr>
               <a:t>            current_acc = all_epoch_detail_dict["epoch_" + str(current_epoch_idx)][i]</a:t>
             </a:r>
-            <a:endParaRPr lang="zh-CN" altLang="en-US" sz="700"/>
-          </a:p>
-          <a:p>
-            <a:r>
-              <a:rPr lang="zh-CN" altLang="en-US" sz="700"/>
+            <a:endParaRPr sz="700"/>
+          </a:p>
+          <a:p>
+            <a:r>
+              <a:rPr sz="700">
+                <a:sym typeface="+mn-ea"/>
+              </a:rPr>
               <a:t>            next_acc = all_epoch_detail_dict["epoch_" + str(next_epoch_idx)][i]</a:t>
             </a:r>
-            <a:endParaRPr lang="zh-CN" altLang="en-US" sz="700"/>
-          </a:p>
-          <a:p>
-            <a:r>
-              <a:rPr lang="zh-CN" altLang="en-US" sz="700"/>
+            <a:endParaRPr sz="700"/>
+          </a:p>
+          <a:p>
+            <a:r>
+              <a:rPr sz="700">
+                <a:sym typeface="+mn-ea"/>
+              </a:rPr>
               <a:t>            </a:t>
             </a:r>
-            <a:endParaRPr lang="zh-CN" altLang="en-US" sz="700"/>
-          </a:p>
-          <a:p>
-            <a:r>
-              <a:rPr lang="zh-CN" altLang="en-US" sz="700"/>
+            <a:endParaRPr sz="700"/>
+          </a:p>
+          <a:p>
+            <a:r>
+              <a:rPr sz="700">
+                <a:sym typeface="+mn-ea"/>
+              </a:rPr>
               <a:t>            if first_learning_event_happened_state[i] == -1 and current_acc &lt; next_acc:</a:t>
             </a:r>
-            <a:endParaRPr lang="zh-CN" altLang="en-US" sz="700"/>
-          </a:p>
-          <a:p>
-            <a:r>
-              <a:rPr lang="zh-CN" altLang="en-US" sz="700"/>
+            <a:endParaRPr sz="700"/>
+          </a:p>
+          <a:p>
+            <a:r>
+              <a:rPr sz="700">
+                <a:sym typeface="+mn-ea"/>
+              </a:rPr>
               <a:t>                first_learning_event_happened_state[i] = current_epoch_idx</a:t>
             </a:r>
-            <a:endParaRPr lang="zh-CN" altLang="en-US" sz="700"/>
-          </a:p>
-          <a:p>
-            <a:r>
-              <a:rPr lang="zh-CN" altLang="en-US" sz="700"/>
+            <a:endParaRPr sz="700"/>
+          </a:p>
+          <a:p>
+            <a:r>
+              <a:rPr sz="700">
+                <a:sym typeface="+mn-ea"/>
+              </a:rPr>
               <a:t>            if first_forgetting_event_happend_state[i] == -1 and learning_event_happend_state[i] and current_acc &lt; next_acc:</a:t>
             </a:r>
-            <a:endParaRPr lang="zh-CN" altLang="en-US" sz="700"/>
-          </a:p>
-          <a:p>
-            <a:r>
-              <a:rPr lang="zh-CN" altLang="en-US" sz="700"/>
+            <a:endParaRPr sz="700"/>
+          </a:p>
+          <a:p>
+            <a:r>
+              <a:rPr sz="700">
+                <a:sym typeface="+mn-ea"/>
+              </a:rPr>
               <a:t>                first_forgetting_event_happend_state[i] = current_epoch_idx</a:t>
             </a:r>
-            <a:endParaRPr lang="zh-CN" altLang="en-US" sz="700"/>
-          </a:p>
-          <a:p>
-            <a:r>
-              <a:rPr lang="zh-CN" altLang="en-US" sz="700"/>
+            <a:endParaRPr sz="700"/>
+          </a:p>
+          <a:p>
+            <a:r>
+              <a:rPr sz="700">
+                <a:sym typeface="+mn-ea"/>
+              </a:rPr>
               <a:t>            </a:t>
             </a:r>
-            <a:endParaRPr lang="zh-CN" altLang="en-US" sz="700"/>
-          </a:p>
-          <a:p>
-            <a:r>
-              <a:rPr lang="zh-CN" altLang="en-US" sz="700"/>
+            <a:endParaRPr sz="700"/>
+          </a:p>
+          <a:p>
+            <a:r>
+              <a:rPr sz="700">
+                <a:sym typeface="+mn-ea"/>
+              </a:rPr>
               <a:t>            if current_acc &gt; next_acc:</a:t>
             </a:r>
-            <a:endParaRPr lang="zh-CN" altLang="en-US" sz="700"/>
-          </a:p>
-          <a:p>
-            <a:r>
-              <a:rPr lang="zh-CN" altLang="en-US" sz="700"/>
+            <a:endParaRPr sz="700"/>
+          </a:p>
+          <a:p>
+            <a:r>
+              <a:rPr sz="700">
+                <a:sym typeface="+mn-ea"/>
+              </a:rPr>
               <a:t>                tot_forgetting_score[i] -= 2</a:t>
             </a:r>
-            <a:endParaRPr lang="zh-CN" altLang="en-US" sz="700"/>
-          </a:p>
-          <a:p>
-            <a:r>
-              <a:rPr lang="zh-CN" altLang="en-US" sz="700"/>
+            <a:endParaRPr sz="700"/>
+          </a:p>
+          <a:p>
+            <a:r>
+              <a:rPr sz="700">
+                <a:sym typeface="+mn-ea"/>
+              </a:rPr>
               <a:t>            elif current_acc == next_acc and current_acc == 0:</a:t>
             </a:r>
-            <a:endParaRPr lang="zh-CN" altLang="en-US" sz="700"/>
-          </a:p>
-          <a:p>
-            <a:r>
-              <a:rPr lang="zh-CN" altLang="en-US" sz="700"/>
+            <a:endParaRPr sz="700"/>
+          </a:p>
+          <a:p>
+            <a:r>
+              <a:rPr sz="700">
+                <a:sym typeface="+mn-ea"/>
+              </a:rPr>
               <a:t>                tot_forgetting_score[i] -= 1</a:t>
             </a:r>
-            <a:endParaRPr lang="zh-CN" altLang="en-US" sz="700"/>
-          </a:p>
-          <a:p>
-            <a:r>
-              <a:rPr lang="zh-CN" altLang="en-US" sz="700"/>
+            <a:endParaRPr sz="700"/>
+          </a:p>
+          <a:p>
+            <a:r>
+              <a:rPr sz="700">
+                <a:sym typeface="+mn-ea"/>
+              </a:rPr>
               <a:t>            elif current_acc == next_acc and current_acc == 1:</a:t>
             </a:r>
-            <a:endParaRPr lang="zh-CN" altLang="en-US" sz="700"/>
-          </a:p>
-          <a:p>
-            <a:r>
-              <a:rPr lang="zh-CN" altLang="en-US" sz="700"/>
+            <a:endParaRPr sz="700"/>
+          </a:p>
+          <a:p>
+            <a:r>
+              <a:rPr sz="700">
+                <a:sym typeface="+mn-ea"/>
+              </a:rPr>
               <a:t>                tot_forgetting_score[i] += 1</a:t>
             </a:r>
-            <a:endParaRPr lang="zh-CN" altLang="en-US" sz="700"/>
-          </a:p>
-          <a:p>
-            <a:r>
-              <a:rPr lang="zh-CN" altLang="en-US" sz="700"/>
+            <a:endParaRPr sz="700"/>
+          </a:p>
+          <a:p>
+            <a:r>
+              <a:rPr sz="700">
+                <a:sym typeface="+mn-ea"/>
+              </a:rPr>
               <a:t>            elif current_acc &lt; next_acc:</a:t>
             </a:r>
-            <a:endParaRPr lang="zh-CN" altLang="en-US" sz="700"/>
-          </a:p>
-          <a:p>
-            <a:r>
-              <a:rPr lang="zh-CN" altLang="en-US" sz="700"/>
+            <a:endParaRPr sz="700"/>
+          </a:p>
+          <a:p>
+            <a:r>
+              <a:rPr sz="700">
+                <a:sym typeface="+mn-ea"/>
+              </a:rPr>
               <a:t>                tot_forgetting_score[i] += 2</a:t>
             </a:r>
-            <a:endParaRPr lang="zh-CN" altLang="en-US" sz="700"/>
-          </a:p>
-          <a:p>
-            <a:r>
-              <a:rPr lang="zh-CN" altLang="en-US" sz="700"/>
+            <a:endParaRPr sz="700"/>
+          </a:p>
+          <a:p>
+            <a:r>
+              <a:rPr sz="700">
+                <a:sym typeface="+mn-ea"/>
+              </a:rPr>
               <a:t>        </a:t>
             </a:r>
-            <a:endParaRPr lang="zh-CN" altLang="en-US" sz="700"/>
-          </a:p>
-          <a:p>
-            <a:r>
-              <a:rPr lang="zh-CN" altLang="en-US" sz="700"/>
+            <a:endParaRPr sz="700"/>
+          </a:p>
+          <a:p>
+            <a:r>
+              <a:rPr sz="700">
+                <a:sym typeface="+mn-ea"/>
+              </a:rPr>
               <a:t>            forgetting_event_happend_state[i] = True if current_acc &gt; next_acc else forgetting_event_happend_state[i]</a:t>
             </a:r>
-            <a:endParaRPr lang="zh-CN" altLang="en-US" sz="700"/>
-          </a:p>
-          <a:p>
-            <a:r>
-              <a:rPr lang="zh-CN" altLang="en-US" sz="700"/>
+            <a:endParaRPr sz="700"/>
+          </a:p>
+          <a:p>
+            <a:r>
+              <a:rPr sz="700">
+                <a:sym typeface="+mn-ea"/>
+              </a:rPr>
               <a:t>            learning_event_happend_state[i] = True if current_acc &lt; next_acc else learning_event_happend_state[i]</a:t>
             </a:r>
-            <a:endParaRPr lang="zh-CN" altLang="en-US" sz="700"/>
-          </a:p>
-          <a:p>
-            <a:r>
-              <a:rPr lang="zh-CN" altLang="en-US" sz="700"/>
+            <a:endParaRPr sz="700"/>
+          </a:p>
+          <a:p>
+            <a:r>
+              <a:rPr sz="700">
+                <a:sym typeface="+mn-ea"/>
+              </a:rPr>
               <a:t>            </a:t>
             </a:r>
-            <a:endParaRPr lang="zh-CN" altLang="en-US" sz="700"/>
-          </a:p>
-          <a:p>
-            <a:endParaRPr lang="zh-CN" altLang="en-US" sz="700"/>
-          </a:p>
-          <a:p>
-            <a:r>
-              <a:rPr lang="zh-CN" altLang="en-US" sz="700"/>
+            <a:endParaRPr sz="700"/>
+          </a:p>
+          <a:p>
+            <a:endParaRPr sz="700"/>
+          </a:p>
+          <a:p>
+            <a:r>
+              <a:rPr sz="700">
+                <a:sym typeface="+mn-ea"/>
+              </a:rPr>
               <a:t>    for i in range(len_per_epoch):</a:t>
             </a:r>
-            <a:endParaRPr lang="zh-CN" altLang="en-US" sz="700"/>
-          </a:p>
-          <a:p>
-            <a:r>
-              <a:rPr lang="zh-CN" altLang="en-US" sz="700"/>
-              <a:t>        if learning_event_happend_state[i] == True and check_rest_epoch_forgetting_happend(first_learning_event_happened_state[i], i) == False:</a:t>
-            </a:r>
-            <a:endParaRPr lang="zh-CN" altLang="en-US" sz="700"/>
-          </a:p>
-          <a:p>
-            <a:r>
-              <a:rPr lang="zh-CN" altLang="en-US" sz="700"/>
+            <a:endParaRPr sz="700"/>
+          </a:p>
+          <a:p>
+            <a:r>
+              <a:rPr sz="700">
+                <a:sym typeface="+mn-ea"/>
+              </a:rPr>
+              <a:t>        if learning_event_happend_state[i] == True:</a:t>
+            </a:r>
+            <a:endParaRPr sz="700"/>
+          </a:p>
+          <a:p>
+            <a:r>
+              <a:rPr sz="700">
+                <a:sym typeface="+mn-ea"/>
+              </a:rPr>
               <a:t>            unforgettable_examples.append(i)</a:t>
             </a:r>
-            <a:endParaRPr lang="zh-CN" altLang="en-US" sz="700"/>
-          </a:p>
-          <a:p>
-            <a:r>
-              <a:rPr lang="zh-CN" altLang="en-US" sz="700"/>
+            <a:endParaRPr sz="700"/>
+          </a:p>
+          <a:p>
+            <a:r>
+              <a:rPr sz="700">
+                <a:sym typeface="+mn-ea"/>
+              </a:rPr>
+              <a:t>            unforgettable_examples_start_unforget_idx[i] = get_start_unforget_idx(first_learning_event_happened_state[i], i)</a:t>
+            </a:r>
+            <a:endParaRPr sz="700"/>
+          </a:p>
+          <a:p>
+            <a:r>
+              <a:rPr sz="700">
+                <a:sym typeface="+mn-ea"/>
+              </a:rPr>
               <a:t>        if forgetting_event_happend_state[i]:</a:t>
             </a:r>
-            <a:endParaRPr lang="zh-CN" altLang="en-US" sz="700"/>
-          </a:p>
-          <a:p>
-            <a:r>
-              <a:rPr lang="zh-CN" altLang="en-US" sz="700"/>
+            <a:endParaRPr sz="700"/>
+          </a:p>
+          <a:p>
+            <a:r>
+              <a:rPr sz="700">
+                <a:sym typeface="+mn-ea"/>
+              </a:rPr>
               <a:t>            forgettable_examples.append(i)</a:t>
             </a:r>
-            <a:endParaRPr lang="zh-CN" altLang="en-US" sz="700"/>
-          </a:p>
-          <a:p>
-            <a:r>
-              <a:rPr lang="zh-CN" altLang="en-US" sz="700"/>
-              <a:t>    </a:t>
-            </a:r>
-            <a:endParaRPr lang="zh-CN" altLang="en-US" sz="700"/>
-          </a:p>
-          <a:p>
-            <a:r>
-              <a:rPr lang="zh-CN" altLang="en-US" sz="700"/>
-              <a:t>    return tot_forgetting_score, unforgettable_examples, forgettable_examples, first_learning_event_happened_state, first_forgetting_event_happend_state</a:t>
-            </a:r>
+            <a:endParaRPr sz="700"/>
+          </a:p>
+          <a:p>
+            <a:endParaRPr sz="700"/>
+          </a:p>
+          <a:p>
+            <a:r>
+              <a:rPr sz="700">
+                <a:sym typeface="+mn-ea"/>
+              </a:rPr>
+              <a:t>    return tot_forgetting_score, unforgettable_examples, forgettable_examples, first_learning_event_happened_state, first_forgetting_event_happend_state, unforgettable_examples_start_unforget_idx</a:t>
+            </a:r>
+            <a:endParaRPr sz="700"/>
+          </a:p>
+          <a:p>
             <a:endParaRPr lang="zh-CN" altLang="en-US" sz="700"/>
           </a:p>
         </p:txBody>
@@ -18952,7 +19112,7 @@
         <p:spPr>
           <a:xfrm>
             <a:off x="457200" y="1196975"/>
-            <a:ext cx="11276965" cy="4467225"/>
+            <a:ext cx="11276965" cy="5401310"/>
           </a:xfrm>
           <a:prstGeom prst="rect">
             <a:avLst/>
@@ -18965,62 +19125,92 @@
           </a:bodyPr>
           <a:p>
             <a:r>
-              <a:rPr lang="zh-CN" altLang="en-US" sz="2800"/>
+              <a:rPr lang="zh-CN" altLang="en-US" sz="2400"/>
               <a:t>tot_forgetting_score: </a:t>
             </a:r>
             <a:r>
-              <a:rPr sz="2800"/>
-              <a:t>[7, 10, 17, 7, -2, 2, 10, 9,</a:t>
-            </a:r>
-            <a:r>
-              <a:rPr lang="en-US" sz="2800"/>
+              <a:rPr sz="2400"/>
+              <a:t>[15, -4, 23, 3, 12, 21, 4, 12,</a:t>
+            </a:r>
+            <a:r>
+              <a:rPr lang="en-US" sz="2400"/>
               <a:t> </a:t>
             </a:r>
             <a:r>
-              <a:rPr lang="en-US" altLang="zh-CN" sz="2800"/>
+              <a:rPr lang="en-US" altLang="zh-CN" sz="2400"/>
               <a:t>...]</a:t>
             </a:r>
-            <a:endParaRPr lang="en-US" altLang="zh-CN" sz="2800"/>
-          </a:p>
-          <a:p>
-            <a:endParaRPr lang="en-US" altLang="zh-CN" sz="2800"/>
-          </a:p>
-          <a:p>
-            <a:r>
-              <a:rPr lang="en-US" altLang="zh-CN" sz="2800"/>
-              <a:t>unforgettable_examples:[]</a:t>
-            </a:r>
-            <a:endParaRPr lang="en-US" altLang="zh-CN" sz="2800"/>
-          </a:p>
-          <a:p>
-            <a:endParaRPr lang="en-US" altLang="zh-CN" sz="2800"/>
-          </a:p>
-          <a:p>
-            <a:r>
-              <a:rPr lang="en-US" altLang="zh-CN" sz="2800"/>
-              <a:t>forgettable_examples:[0, 1, 2, 3, 4, 5, 6, 7, 8, ...]</a:t>
-            </a:r>
-            <a:endParaRPr lang="en-US" altLang="zh-CN" sz="2800"/>
-          </a:p>
-          <a:p>
-            <a:endParaRPr lang="en-US" altLang="zh-CN" sz="2800"/>
-          </a:p>
-          <a:p>
-            <a:r>
-              <a:rPr lang="en-US" altLang="zh-CN" sz="2800"/>
-              <a:t>first_learning_event_happened_state:[0, 0, 0, 1, 0, 1, 0, 3, ...]</a:t>
-            </a:r>
-            <a:endParaRPr lang="en-US" altLang="zh-CN" sz="2800"/>
-          </a:p>
-          <a:p>
-            <a:endParaRPr lang="en-US" altLang="zh-CN" sz="2800"/>
-          </a:p>
-          <a:p>
-            <a:r>
-              <a:rPr lang="en-US" altLang="zh-CN" sz="2800"/>
-              <a:t>first_forgetting_event_happend_state:[4, 3, 2, 4, 2, 6, 3, 10, ...]</a:t>
-            </a:r>
-            <a:endParaRPr lang="en-US" altLang="zh-CN" sz="2800"/>
+            <a:endParaRPr lang="en-US" altLang="zh-CN" sz="2400"/>
+          </a:p>
+          <a:p>
+            <a:endParaRPr lang="en-US" altLang="zh-CN" sz="2400"/>
+          </a:p>
+          <a:p>
+            <a:r>
+              <a:rPr lang="en-US" altLang="zh-CN" sz="2400"/>
+              <a:t>cnt_unforggetable_examples: 6486 (total: 10000)</a:t>
+            </a:r>
+            <a:endParaRPr lang="en-US" altLang="zh-CN" sz="2400"/>
+          </a:p>
+          <a:p>
+            <a:endParaRPr lang="en-US" altLang="zh-CN" sz="2400"/>
+          </a:p>
+          <a:p>
+            <a:r>
+              <a:rPr lang="en-US" altLang="zh-CN" sz="2400"/>
+              <a:t>unforgettable_examples:[0, 1, 2, 3, 4, 5, 6, 7, ...]</a:t>
+            </a:r>
+            <a:endParaRPr lang="en-US" altLang="zh-CN" sz="2400"/>
+          </a:p>
+          <a:p>
+            <a:endParaRPr lang="en-US" altLang="zh-CN" sz="2400">
+              <a:sym typeface="+mn-ea"/>
+            </a:endParaRPr>
+          </a:p>
+          <a:p>
+            <a:r>
+              <a:rPr lang="en-US" altLang="zh-CN" sz="2400">
+                <a:sym typeface="+mn-ea"/>
+              </a:rPr>
+              <a:t>unforgettable_examples_start_unforget_idx:[40, -1, 40, 38, 40, 31, 40, -1, ...]</a:t>
+            </a:r>
+            <a:endParaRPr lang="en-US" altLang="zh-CN" sz="2400"/>
+          </a:p>
+          <a:p>
+            <a:endParaRPr lang="en-US" altLang="zh-CN" sz="2400"/>
+          </a:p>
+          <a:p>
+            <a:r>
+              <a:rPr lang="en-US" altLang="zh-CN" sz="2400"/>
+              <a:t>forgettable_examples:[0, 1, 2, 3, 4, 5, 6, 7, ...]</a:t>
+            </a:r>
+            <a:endParaRPr lang="en-US" altLang="zh-CN" sz="2400"/>
+          </a:p>
+          <a:p>
+            <a:endParaRPr lang="en-US" altLang="zh-CN" sz="2400"/>
+          </a:p>
+          <a:p>
+            <a:r>
+              <a:rPr lang="en-US" altLang="zh-CN" sz="2400"/>
+              <a:t>first_learning_event_happened_state:[0, 2, 0, 2, 2, 0, 2, 1, ...]</a:t>
+            </a:r>
+            <a:endParaRPr lang="en-US" altLang="zh-CN" sz="2400"/>
+          </a:p>
+          <a:p>
+            <a:endParaRPr lang="en-US" altLang="zh-CN" sz="2400"/>
+          </a:p>
+          <a:p>
+            <a:r>
+              <a:rPr lang="en-US" altLang="zh-CN" sz="2400"/>
+              <a:t>first_forgetting_event_happend_state:[3, 4, 7, 6, 6, 6, 5, 4, ...]</a:t>
+            </a:r>
+            <a:endParaRPr lang="en-US" altLang="zh-CN" sz="2400"/>
+          </a:p>
+          <a:p>
+            <a:endParaRPr lang="en-US" altLang="zh-CN" sz="2400"/>
+          </a:p>
+          <a:p>
+            <a:endParaRPr lang="en-US" altLang="zh-CN" sz="2400"/>
           </a:p>
         </p:txBody>
       </p:sp>
@@ -19441,7 +19631,23 @@
                   <a:schemeClr val="tx2"/>
                 </a:solidFill>
               </a:rPr>
-              <a:t>存在大量永不被遗忘的数据（Once learnt. Never forgotten），这些数据在不同随机种子下都是稳定的，并且在不同的神经结构之间具有很强的相关性。</a:t>
+              <a:t>存在大量永不被遗忘的数据（Once learnt. Never forgotten），这些数据在不同随机种子下都是稳定的，并且在不同的神经结构之间具有很强的相关性。(</a:t>
+            </a:r>
+            <a:r>
+              <a:rPr lang="zh-CN" altLang="en-US" sz="2400">
+                <a:solidFill>
+                  <a:schemeClr val="tx2"/>
+                </a:solidFill>
+              </a:rPr>
+              <a:t>已验证</a:t>
+            </a:r>
+            <a:r>
+              <a:rPr lang="en-US" altLang="zh-CN" sz="2400">
+                <a:solidFill>
+                  <a:schemeClr val="tx2"/>
+                </a:solidFill>
+              </a:rPr>
+              <a:t>)</a:t>
             </a:r>
             <a:endParaRPr lang="en-US" altLang="zh-CN" sz="2400">
               <a:solidFill>
